--- a/stm/documents/EWRI_2011/PackageDiagramSuggest_Improved_Kaveh.pptx
+++ b/stm/documents/EWRI_2011/PackageDiagramSuggest_Improved_Kaveh.pptx
@@ -3602,14 +3602,6 @@
               </a:rPr>
               <a:t>Advect  Disperse   React      A-D       A-R        A-D-R</a:t>
             </a:r>
-            <a:endParaRPr lang="en-US" dirty="0" smtClean="0">
-              <a:solidFill>
-                <a:schemeClr val="tx1">
-                  <a:lumMod val="95000"/>
-                  <a:lumOff val="5000"/>
-                </a:schemeClr>
-              </a:solidFill>
-            </a:endParaRPr>
           </a:p>
         </p:txBody>
       </p:sp>
@@ -3971,15 +3963,7 @@
                   <a:schemeClr val="bg1"/>
                 </a:solidFill>
               </a:rPr>
-              <a:t>7. </a:t>
-            </a:r>
-            <a:r>
-              <a:rPr lang="en-US" sz="1200" dirty="0" smtClean="0">
-                <a:solidFill>
-                  <a:schemeClr val="bg1"/>
-                </a:solidFill>
-              </a:rPr>
-              <a:t>Remote BC</a:t>
+              <a:t>7. Remote BC</a:t>
             </a:r>
           </a:p>
         </p:txBody>
@@ -4034,15 +4018,7 @@
                   <a:schemeClr val="bg1"/>
                 </a:solidFill>
               </a:rPr>
-              <a:t>8. </a:t>
-            </a:r>
-            <a:r>
-              <a:rPr lang="en-US" sz="1200" dirty="0" smtClean="0">
-                <a:solidFill>
-                  <a:schemeClr val="bg1"/>
-                </a:solidFill>
-              </a:rPr>
-              <a:t>Close BC</a:t>
+              <a:t>8. Close BC</a:t>
             </a:r>
           </a:p>
         </p:txBody>
@@ -5063,7 +5039,15 @@
                   <a:schemeClr val="bg1"/>
                 </a:solidFill>
               </a:rPr>
-              <a:t>13. Liner Reaction</a:t>
+              <a:t>15. </a:t>
+            </a:r>
+            <a:r>
+              <a:rPr lang="en-US" sz="1200" dirty="0" smtClean="0">
+                <a:solidFill>
+                  <a:schemeClr val="bg1"/>
+                </a:solidFill>
+              </a:rPr>
+              <a:t>Liner Reaction</a:t>
             </a:r>
             <a:endParaRPr lang="en-US" sz="1200" dirty="0">
               <a:solidFill>
@@ -5127,7 +5111,18 @@
                   </a:schemeClr>
                 </a:solidFill>
               </a:rPr>
-              <a:t>14. Sin Liner Reaction</a:t>
+              <a:t>16. </a:t>
+            </a:r>
+            <a:r>
+              <a:rPr lang="en-US" sz="1200" dirty="0" smtClean="0">
+                <a:solidFill>
+                  <a:schemeClr val="tx1">
+                    <a:lumMod val="95000"/>
+                    <a:lumOff val="5000"/>
+                  </a:schemeClr>
+                </a:solidFill>
+              </a:rPr>
+              <a:t>Sin Liner Reaction</a:t>
             </a:r>
             <a:endParaRPr lang="en-US" sz="1200" dirty="0">
               <a:solidFill>
@@ -5345,7 +5340,7 @@
                   <a:schemeClr val="bg1"/>
                 </a:solidFill>
               </a:rPr>
-              <a:t>15. </a:t>
+              <a:t>19. </a:t>
             </a:r>
             <a:r>
               <a:rPr lang="en-US" sz="1200" dirty="0" smtClean="0">
@@ -5408,7 +5403,7 @@
                   <a:schemeClr val="bg1"/>
                 </a:solidFill>
               </a:rPr>
-              <a:t>16. </a:t>
+              <a:t>20. </a:t>
             </a:r>
             <a:r>
               <a:rPr lang="en-US" sz="1200" dirty="0" smtClean="0">
@@ -5466,7 +5461,7 @@
           <a:p>
             <a:pPr algn="ctr"/>
             <a:r>
-              <a:rPr lang="en-US" sz="1300" dirty="0" smtClean="0">
+              <a:rPr lang="en-US" sz="1300" smtClean="0">
                 <a:solidFill>
                   <a:schemeClr val="tx1">
                     <a:lumMod val="95000"/>
@@ -5474,10 +5469,10 @@
                   </a:schemeClr>
                 </a:solidFill>
               </a:rPr>
-              <a:t>19. Spatial and Temporal Variation in V, A, and K</a:t>
-            </a:r>
-            <a:r>
-              <a:rPr lang="en-US" sz="1300" baseline="-25000" dirty="0" smtClean="0">
+              <a:t>21. </a:t>
+            </a:r>
+            <a:r>
+              <a:rPr lang="en-US" sz="1300" dirty="0" smtClean="0">
                 <a:solidFill>
                   <a:schemeClr val="tx1">
                     <a:lumMod val="95000"/>
@@ -5485,10 +5480,10 @@
                   </a:schemeClr>
                 </a:solidFill>
               </a:rPr>
-              <a:t>s   ,</a:t>
-            </a:r>
-            <a:r>
-              <a:rPr lang="en-US" sz="1300" dirty="0" smtClean="0">
+              <a:t>Spatial and Temporal Variation in V, A, and K</a:t>
+            </a:r>
+            <a:r>
+              <a:rPr lang="en-US" sz="1300" baseline="-25000" dirty="0" smtClean="0">
                 <a:solidFill>
                   <a:schemeClr val="tx1">
                     <a:lumMod val="95000"/>
@@ -5496,7 +5491,7 @@
                   </a:schemeClr>
                 </a:solidFill>
               </a:rPr>
-              <a:t>Nonlinear Source </a:t>
+              <a:t>s   ,</a:t>
             </a:r>
             <a:r>
               <a:rPr lang="en-US" sz="1300" dirty="0" smtClean="0">
@@ -5507,7 +5502,7 @@
                   </a:schemeClr>
                 </a:solidFill>
               </a:rPr>
-              <a:t>Term</a:t>
+              <a:t>Nonlinear Source Term</a:t>
             </a:r>
           </a:p>
         </p:txBody>
@@ -5539,6 +5534,133 @@
               <a:t>FIGURE KEY: </a:t>
             </a:r>
             <a:endParaRPr lang="en-US" dirty="0"/>
+          </a:p>
+        </p:txBody>
+      </p:sp>
+      <p:sp>
+        <p:nvSpPr>
+          <p:cNvPr id="73" name="Rounded Rectangle 72"/>
+          <p:cNvSpPr/>
+          <p:nvPr/>
+        </p:nvSpPr>
+        <p:spPr>
+          <a:xfrm>
+            <a:off x="1752600" y="3733800"/>
+            <a:ext cx="1447800" cy="228600"/>
+          </a:xfrm>
+          <a:prstGeom prst="roundRect">
+            <a:avLst/>
+          </a:prstGeom>
+          <a:solidFill>
+            <a:schemeClr val="tx1"/>
+          </a:solidFill>
+          <a:ln>
+            <a:solidFill>
+              <a:schemeClr val="tx1"/>
+            </a:solidFill>
+            <a:prstDash val="dash"/>
+          </a:ln>
+        </p:spPr>
+        <p:style>
+          <a:lnRef idx="2">
+            <a:schemeClr val="accent1">
+              <a:shade val="50000"/>
+            </a:schemeClr>
+          </a:lnRef>
+          <a:fillRef idx="1">
+            <a:schemeClr val="accent1"/>
+          </a:fillRef>
+          <a:effectRef idx="0">
+            <a:schemeClr val="accent1"/>
+          </a:effectRef>
+          <a:fontRef idx="minor">
+            <a:schemeClr val="lt1"/>
+          </a:fontRef>
+        </p:style>
+        <p:txBody>
+          <a:bodyPr rtlCol="0" anchor="ctr"/>
+          <a:lstStyle/>
+          <a:p>
+            <a:pPr algn="ctr"/>
+            <a:r>
+              <a:rPr lang="en-US" sz="1200" dirty="0" smtClean="0">
+                <a:solidFill>
+                  <a:schemeClr val="bg1"/>
+                </a:solidFill>
+              </a:rPr>
+              <a:t>13. </a:t>
+            </a:r>
+            <a:r>
+              <a:rPr lang="en-US" sz="1200" dirty="0" smtClean="0">
+                <a:solidFill>
+                  <a:schemeClr val="bg1"/>
+                </a:solidFill>
+              </a:rPr>
+              <a:t>Remote BC</a:t>
+            </a:r>
+          </a:p>
+        </p:txBody>
+      </p:sp>
+      <p:sp>
+        <p:nvSpPr>
+          <p:cNvPr id="74" name="Rounded Rectangle 73"/>
+          <p:cNvSpPr/>
+          <p:nvPr/>
+        </p:nvSpPr>
+        <p:spPr>
+          <a:xfrm>
+            <a:off x="1752600" y="4038600"/>
+            <a:ext cx="1447800" cy="228600"/>
+          </a:xfrm>
+          <a:prstGeom prst="roundRect">
+            <a:avLst/>
+          </a:prstGeom>
+          <a:solidFill>
+            <a:schemeClr val="tx1"/>
+          </a:solidFill>
+          <a:ln>
+            <a:solidFill>
+              <a:schemeClr val="tx1"/>
+            </a:solidFill>
+          </a:ln>
+        </p:spPr>
+        <p:style>
+          <a:lnRef idx="2">
+            <a:schemeClr val="accent1">
+              <a:shade val="50000"/>
+            </a:schemeClr>
+          </a:lnRef>
+          <a:fillRef idx="1">
+            <a:schemeClr val="accent1"/>
+          </a:fillRef>
+          <a:effectRef idx="0">
+            <a:schemeClr val="accent1"/>
+          </a:effectRef>
+          <a:fontRef idx="minor">
+            <a:schemeClr val="lt1"/>
+          </a:fontRef>
+        </p:style>
+        <p:txBody>
+          <a:bodyPr rtlCol="0" anchor="ctr"/>
+          <a:lstStyle/>
+          <a:p>
+            <a:pPr algn="ctr"/>
+            <a:r>
+              <a:rPr lang="en-US" sz="1200" dirty="0" smtClean="0">
+                <a:solidFill>
+                  <a:schemeClr val="bg1"/>
+                </a:solidFill>
+              </a:rPr>
+              <a:t>14. </a:t>
+            </a:r>
+            <a:r>
+              <a:rPr lang="en-US" sz="1200" dirty="0" smtClean="0">
+                <a:solidFill>
+                  <a:schemeClr val="bg1"/>
+                </a:solidFill>
+              </a:rPr>
+              <a:t>Close BC</a:t>
+            </a:r>
           </a:p>
         </p:txBody>
       </p:sp>
